--- a/Lections/4/Классы, конструкторы и деструкторы.pptx
+++ b/Lections/4/Классы, конструкторы и деструкторы.pptx
@@ -3949,6 +3949,13 @@
   <p:clrMapOvr>
     <a:masterClrMapping/>
   </p:clrMapOvr>
+  <p:timing>
+    <p:tnLst>
+      <p:par>
+        <p:cTn id="1" dur="indefinite" restart="never" nodeType="tmRoot"/>
+      </p:par>
+    </p:tnLst>
+  </p:timing>
 </p:sld>
 </file>
 
@@ -5273,6 +5280,13 @@
   <p:clrMapOvr>
     <a:masterClrMapping/>
   </p:clrMapOvr>
+  <p:timing>
+    <p:tnLst>
+      <p:par>
+        <p:cTn id="1" dur="indefinite" restart="never" nodeType="tmRoot"/>
+      </p:par>
+    </p:tnLst>
+  </p:timing>
 </p:sld>
 </file>
 
@@ -5728,6 +5742,13 @@
   <p:clrMapOvr>
     <a:masterClrMapping/>
   </p:clrMapOvr>
+  <p:timing>
+    <p:tnLst>
+      <p:par>
+        <p:cTn id="1" dur="indefinite" restart="never" nodeType="tmRoot"/>
+      </p:par>
+    </p:tnLst>
+  </p:timing>
 </p:sld>
 </file>
 
@@ -6195,6 +6216,13 @@
   <p:clrMapOvr>
     <a:masterClrMapping/>
   </p:clrMapOvr>
+  <p:timing>
+    <p:tnLst>
+      <p:par>
+        <p:cTn id="1" dur="indefinite" restart="never" nodeType="tmRoot"/>
+      </p:par>
+    </p:tnLst>
+  </p:timing>
 </p:sld>
 </file>
 
@@ -6606,7 +6634,7 @@
               <a:t>const</a:t>
             </a:r>
             <a:r>
-              <a:rPr lang="en-US">
+              <a:rPr lang="en-US" dirty="0">
                 <a:solidFill>
                   <a:srgbClr val="0000FF"/>
                 </a:solidFill>
@@ -6615,7 +6643,7 @@
               <a:t> </a:t>
             </a:r>
             <a:r>
-              <a:rPr lang="en-US" smtClean="0">
+              <a:rPr lang="en-US" dirty="0" smtClean="0">
                 <a:solidFill>
                   <a:srgbClr val="0000FF"/>
                 </a:solidFill>
@@ -6766,6 +6794,13 @@
   <p:clrMapOvr>
     <a:masterClrMapping/>
   </p:clrMapOvr>
+  <p:timing>
+    <p:tnLst>
+      <p:par>
+        <p:cTn id="1" dur="indefinite" restart="never" nodeType="tmRoot"/>
+      </p:par>
+    </p:tnLst>
+  </p:timing>
 </p:sld>
 </file>
 
@@ -8108,6 +8143,13 @@
   <p:clrMapOvr>
     <a:masterClrMapping/>
   </p:clrMapOvr>
+  <p:timing>
+    <p:tnLst>
+      <p:par>
+        <p:cTn id="1" dur="indefinite" restart="never" nodeType="tmRoot"/>
+      </p:par>
+    </p:tnLst>
+  </p:timing>
 </p:sld>
 </file>
 
@@ -9703,6 +9745,13 @@
   <p:clrMapOvr>
     <a:masterClrMapping/>
   </p:clrMapOvr>
+  <p:timing>
+    <p:tnLst>
+      <p:par>
+        <p:cTn id="1" dur="indefinite" restart="never" nodeType="tmRoot"/>
+      </p:par>
+    </p:tnLst>
+  </p:timing>
 </p:sld>
 </file>
 
@@ -9779,53 +9828,57 @@
           <a:lstStyle/>
           <a:p>
             <a:r>
-              <a:rPr lang="ru-RU" b="1" smtClean="0"/>
+              <a:rPr lang="ru-RU" b="1" dirty="0" smtClean="0"/>
               <a:t>Деструктор</a:t>
             </a:r>
             <a:r>
-              <a:rPr lang="ru-RU" smtClean="0"/>
+              <a:rPr lang="ru-RU" dirty="0" smtClean="0"/>
               <a:t> — это специальный тип </a:t>
             </a:r>
             <a:r>
-              <a:rPr lang="ru-RU" b="1" smtClean="0"/>
+              <a:rPr lang="ru-RU" b="1" dirty="0" smtClean="0"/>
               <a:t>метода</a:t>
             </a:r>
             <a:r>
-              <a:rPr lang="ru-RU" smtClean="0"/>
+              <a:rPr lang="ru-RU" dirty="0" smtClean="0"/>
               <a:t> класса, который выполняется при удалении объекта класса. В то время как </a:t>
             </a:r>
             <a:r>
-              <a:rPr lang="ru-RU" b="1" smtClean="0"/>
+              <a:rPr lang="ru-RU" b="1" dirty="0" smtClean="0"/>
               <a:t>конструкторы</a:t>
             </a:r>
             <a:r>
-              <a:rPr lang="ru-RU" smtClean="0"/>
-              <a:t> предназначены для инициализации класса, деструкторы предназначены для очистки памяти после него</a:t>
-            </a:r>
-            <a:r>
               <a:rPr lang="ru-RU" dirty="0" smtClean="0"/>
-              <a:t>.</a:t>
-            </a:r>
-          </a:p>
-          <a:p>
-            <a:r>
-              <a:rPr lang="ru-RU" smtClean="0"/>
+              <a:t> предназначены для инициализации класса, деструкторы предназначены для очистки памяти после него.</a:t>
+            </a:r>
+          </a:p>
+          <a:p>
+            <a:r>
+              <a:rPr lang="ru-RU" dirty="0" smtClean="0"/>
               <a:t>Когда объект автоматически выходит из области видимости или </a:t>
             </a:r>
             <a:r>
-              <a:rPr lang="ru-RU" b="1" smtClean="0"/>
+              <a:rPr lang="ru-RU" b="1" dirty="0" smtClean="0"/>
               <a:t>динамически выделенный</a:t>
             </a:r>
             <a:r>
-              <a:rPr lang="ru-RU" smtClean="0"/>
-              <a:t> объект явно удаляется с помощью ключевого слова delete, вызывается деструктор класса (если он существует) для выполнения необходимой очистки до того, как объект будет удален из памяти. Для простых классов (</a:t>
-            </a:r>
-            <a:r>
-              <a:rPr lang="ru-RU"/>
+              <a:rPr lang="ru-RU" dirty="0" smtClean="0"/>
+              <a:t> объект явно удаляется с помощью ключевого слова </a:t>
+            </a:r>
+            <a:r>
+              <a:rPr lang="ru-RU" dirty="0" err="1" smtClean="0"/>
+              <a:t>delete</a:t>
+            </a:r>
+            <a:r>
+              <a:rPr lang="ru-RU" dirty="0" smtClean="0"/>
+              <a:t>, вызывается деструктор класса (если он существует) для выполнения необходимой очистки до того, как объект будет удален из памяти. Для простых классов (</a:t>
+            </a:r>
+            <a:r>
+              <a:rPr lang="ru-RU" dirty="0"/>
               <a:t>тех</a:t>
             </a:r>
             <a:r>
-              <a:rPr lang="ru-RU" smtClean="0"/>
+              <a:rPr lang="ru-RU" dirty="0" smtClean="0"/>
               <a:t>, которые только инициализируют значения обычных переменных-членов) деструктор не нужен, так как C++ автоматически выполнит очистку самостоятельно</a:t>
             </a:r>
             <a:r>
@@ -9843,12 +9896,8 @@
               </a:spcAft>
             </a:pPr>
             <a:r>
-              <a:rPr lang="ru-RU" altLang="ru-RU" smtClean="0"/>
-              <a:t>Так же, как и конструкторы, деструкторы имеют свои правила, которые касаются их имен</a:t>
-            </a:r>
-            <a:r>
               <a:rPr lang="ru-RU" altLang="ru-RU" dirty="0" smtClean="0"/>
-              <a:t>:</a:t>
+              <a:t>Так же, как и конструкторы, деструкторы имеют свои правила, которые касаются их имен:</a:t>
             </a:r>
           </a:p>
           <a:p>
@@ -9863,12 +9912,8 @@
               <a:buChar char="•"/>
             </a:pPr>
             <a:r>
-              <a:rPr lang="ru-RU" altLang="ru-RU" smtClean="0"/>
-              <a:t>деструктор должен иметь то же имя, что и класс, со знаком тильда (~) в самом начале</a:t>
-            </a:r>
-            <a:r>
               <a:rPr lang="ru-RU" altLang="ru-RU" dirty="0" smtClean="0"/>
-              <a:t>;</a:t>
+              <a:t>деструктор должен иметь то же имя, что и класс, со знаком тильда (~) в самом начале;</a:t>
             </a:r>
           </a:p>
           <a:p>
@@ -9883,12 +9928,8 @@
               <a:buChar char="•"/>
             </a:pPr>
             <a:r>
-              <a:rPr lang="ru-RU" altLang="ru-RU" smtClean="0"/>
-              <a:t>деструктор не может принимать аргументы</a:t>
-            </a:r>
-            <a:r>
               <a:rPr lang="ru-RU" altLang="ru-RU" dirty="0" smtClean="0"/>
-              <a:t>;</a:t>
+              <a:t>деструктор не может принимать аргументы;</a:t>
             </a:r>
           </a:p>
           <a:p>
@@ -9903,7 +9944,7 @@
               <a:buChar char="•"/>
             </a:pPr>
             <a:r>
-              <a:rPr lang="ru-RU" altLang="ru-RU" smtClean="0"/>
+              <a:rPr lang="ru-RU" altLang="ru-RU" dirty="0" smtClean="0"/>
               <a:t>деструктор не имеет типа возврата</a:t>
             </a:r>
             <a:r>
@@ -9913,7 +9954,7 @@
           </a:p>
           <a:p>
             <a:r>
-              <a:rPr lang="ru-RU" smtClean="0"/>
+              <a:rPr lang="ru-RU" dirty="0" smtClean="0"/>
               <a:t>Сигнатура деструктора выглядит следующим образом</a:t>
             </a:r>
             <a:endParaRPr lang="ru-RU" dirty="0"/>
@@ -10152,7 +10193,7 @@
           <a:lstStyle/>
           <a:p>
             <a:r>
-              <a:rPr lang="en-US" smtClean="0">
+              <a:rPr lang="en-US" dirty="0" smtClean="0">
                 <a:solidFill>
                   <a:srgbClr val="000000"/>
                 </a:solidFill>
@@ -10161,7 +10202,7 @@
               <a:t>        ~&lt;</a:t>
             </a:r>
             <a:r>
-              <a:rPr lang="ru-RU" smtClean="0">
+              <a:rPr lang="ru-RU" dirty="0" smtClean="0">
                 <a:solidFill>
                   <a:srgbClr val="000000"/>
                 </a:solidFill>
@@ -10196,7 +10237,7 @@
           </a:p>
           <a:p>
             <a:r>
-              <a:rPr lang="en-US" smtClean="0">
+              <a:rPr lang="en-US" dirty="0" smtClean="0">
                 <a:solidFill>
                   <a:srgbClr val="000000"/>
                 </a:solidFill>
@@ -10205,7 +10246,7 @@
               <a:t>            // </a:t>
             </a:r>
             <a:r>
-              <a:rPr lang="ru-RU" smtClean="0">
+              <a:rPr lang="ru-RU" dirty="0" smtClean="0">
                 <a:solidFill>
                   <a:srgbClr val="000000"/>
                 </a:solidFill>
@@ -10222,7 +10263,7 @@
           </a:p>
           <a:p>
             <a:r>
-              <a:rPr lang="en-US" smtClean="0">
+              <a:rPr lang="en-US" dirty="0" smtClean="0">
                 <a:solidFill>
                   <a:srgbClr val="000000"/>
                 </a:solidFill>
@@ -10383,6 +10424,13 @@
   <p:clrMapOvr>
     <a:masterClrMapping/>
   </p:clrMapOvr>
+  <p:timing>
+    <p:tnLst>
+      <p:par>
+        <p:cTn id="1" dur="indefinite" restart="never" nodeType="tmRoot"/>
+      </p:par>
+    </p:tnLst>
+  </p:timing>
 </p:sld>
 </file>
 
@@ -10425,80 +10473,92 @@
           <a:lstStyle/>
           <a:p>
             <a:r>
-              <a:rPr lang="ru-RU" b="1" smtClean="0"/>
+              <a:rPr lang="ru-RU" b="1" dirty="0" smtClean="0"/>
               <a:t>Идиома RAII</a:t>
             </a:r>
             <a:r>
-              <a:rPr lang="ru-RU" smtClean="0"/>
+              <a:rPr lang="ru-RU" dirty="0" smtClean="0"/>
               <a:t> (</a:t>
             </a:r>
             <a:r>
-              <a:rPr lang="ru-RU"/>
+              <a:rPr lang="ru-RU" dirty="0"/>
               <a:t>англ</a:t>
             </a:r>
             <a:r>
-              <a:rPr lang="ru-RU" smtClean="0"/>
+              <a:rPr lang="ru-RU" dirty="0" smtClean="0"/>
               <a:t>. </a:t>
             </a:r>
             <a:r>
-              <a:rPr lang="ru-RU" i="1" smtClean="0"/>
+              <a:rPr lang="ru-RU" i="1" dirty="0" smtClean="0"/>
               <a:t>«</a:t>
             </a:r>
             <a:r>
-              <a:rPr lang="ru-RU" b="1" i="1" smtClean="0"/>
+              <a:rPr lang="ru-RU" b="1" i="1" dirty="0" err="1" smtClean="0"/>
               <a:t>R</a:t>
             </a:r>
             <a:r>
-              <a:rPr lang="ru-RU" i="1" smtClean="0"/>
-              <a:t>esource </a:t>
-            </a:r>
-            <a:r>
-              <a:rPr lang="ru-RU" b="1" i="1" smtClean="0"/>
+              <a:rPr lang="ru-RU" i="1" dirty="0" err="1" smtClean="0"/>
+              <a:t>esource</a:t>
+            </a:r>
+            <a:r>
+              <a:rPr lang="ru-RU" i="1" dirty="0" smtClean="0"/>
+              <a:t> </a:t>
+            </a:r>
+            <a:r>
+              <a:rPr lang="ru-RU" b="1" i="1" dirty="0" err="1" smtClean="0"/>
               <a:t>A</a:t>
             </a:r>
             <a:r>
-              <a:rPr lang="ru-RU" i="1" smtClean="0"/>
-              <a:t>cquisition </a:t>
-            </a:r>
-            <a:r>
-              <a:rPr lang="ru-RU" b="1" i="1" smtClean="0"/>
+              <a:rPr lang="ru-RU" i="1" dirty="0" err="1" smtClean="0"/>
+              <a:t>cquisition</a:t>
+            </a:r>
+            <a:r>
+              <a:rPr lang="ru-RU" i="1" dirty="0" smtClean="0"/>
+              <a:t> </a:t>
+            </a:r>
+            <a:r>
+              <a:rPr lang="ru-RU" b="1" i="1" dirty="0" err="1" smtClean="0"/>
               <a:t>I</a:t>
             </a:r>
             <a:r>
-              <a:rPr lang="ru-RU" i="1" smtClean="0"/>
-              <a:t>s </a:t>
-            </a:r>
-            <a:r>
-              <a:rPr lang="ru-RU" b="1" i="1" smtClean="0"/>
+              <a:rPr lang="ru-RU" i="1" dirty="0" err="1" smtClean="0"/>
+              <a:t>s</a:t>
+            </a:r>
+            <a:r>
+              <a:rPr lang="ru-RU" i="1" dirty="0" smtClean="0"/>
+              <a:t> </a:t>
+            </a:r>
+            <a:r>
+              <a:rPr lang="ru-RU" b="1" i="1" dirty="0" err="1" smtClean="0"/>
               <a:t>I</a:t>
             </a:r>
             <a:r>
-              <a:rPr lang="ru-RU" i="1" smtClean="0"/>
-              <a:t>nitialization» = «Получение ресурсов есть инициализация»</a:t>
-            </a:r>
-            <a:r>
-              <a:rPr lang="ru-RU" smtClean="0"/>
+              <a:rPr lang="ru-RU" i="1" dirty="0" err="1" smtClean="0"/>
+              <a:t>nitialization</a:t>
+            </a:r>
+            <a:r>
+              <a:rPr lang="ru-RU" i="1" dirty="0" smtClean="0"/>
+              <a:t>» = «Получение ресурсов есть инициализация»</a:t>
+            </a:r>
+            <a:r>
+              <a:rPr lang="ru-RU" dirty="0" smtClean="0"/>
               <a:t>) — это идиома </a:t>
             </a:r>
             <a:r>
-              <a:rPr lang="ru-RU" b="1" smtClean="0"/>
+              <a:rPr lang="ru-RU" b="1" dirty="0" smtClean="0"/>
               <a:t>объектно-ориентированного</a:t>
             </a:r>
             <a:r>
-              <a:rPr lang="ru-RU" smtClean="0"/>
+              <a:rPr lang="ru-RU" dirty="0" smtClean="0"/>
               <a:t> программирования, при которой использование ресурсов привязывается к времени жизни объектов с </a:t>
             </a:r>
             <a:r>
-              <a:rPr lang="ru-RU" b="1" smtClean="0"/>
+              <a:rPr lang="ru-RU" b="1" dirty="0" smtClean="0"/>
               <a:t>автоматической продолжительностью жизни</a:t>
             </a:r>
             <a:r>
-              <a:rPr lang="ru-RU" smtClean="0"/>
-              <a:t>. По сути это означает что если нам необходимо использовать в своей программе файл или подключение к серверу, к базе данных и тому подобное, то мы должны обернуть этот ресурс в класс и привязать факты открытия и закрытия этого ресурса к элементам цикла жизни объекта класса, т.е. открывать в конструкторе, а закрывать в деструкторе</a:t>
-            </a:r>
-            <a:r>
               <a:rPr lang="ru-RU" dirty="0" smtClean="0"/>
-              <a:t>.</a:t>
+              <a:t>. По сути это означает что если нам необходимо использовать в своей программе файл или подключение к серверу, к базе данных и тому подобное, то мы должны обернуть этот ресурс в класс и привязать факты открытия и закрытия этого ресурса к элементам цикла жизни объекта класса, т.е. открывать в конструкторе, а закрывать в деструкторе.</a:t>
             </a:r>
             <a:endParaRPr lang="ru-RU" dirty="0"/>
           </a:p>
@@ -10566,23 +10626,23 @@
           <a:lstStyle/>
           <a:p>
             <a:r>
-              <a:rPr lang="ru-RU" smtClean="0"/>
+              <a:rPr lang="ru-RU" dirty="0" smtClean="0"/>
               <a:t>Если вам пришлось объявить что-либо из собственного</a:t>
             </a:r>
             <a:r>
-              <a:rPr lang="en-US" smtClean="0"/>
+              <a:rPr lang="en-US" dirty="0" smtClean="0"/>
               <a:t> </a:t>
             </a:r>
             <a:r>
-              <a:rPr lang="ru-RU" smtClean="0"/>
+              <a:rPr lang="ru-RU" dirty="0" smtClean="0"/>
               <a:t>конструктора копирования, собственного оператора</a:t>
             </a:r>
             <a:r>
-              <a:rPr lang="en-US" smtClean="0"/>
+              <a:rPr lang="en-US" dirty="0" smtClean="0"/>
               <a:t> </a:t>
             </a:r>
             <a:r>
-              <a:rPr lang="ru-RU" smtClean="0"/>
+              <a:rPr lang="ru-RU" dirty="0" smtClean="0"/>
               <a:t>присваивания и собственного деструктора, то, скорее всего</a:t>
             </a:r>
             <a:r>
@@ -10592,17 +10652,13 @@
           </a:p>
           <a:p>
             <a:r>
-              <a:rPr lang="ru-RU" smtClean="0"/>
-              <a:t>вам нужно объявить все вышеперечисленное</a:t>
-            </a:r>
-            <a:r>
               <a:rPr lang="ru-RU" dirty="0" smtClean="0"/>
-              <a:t>.</a:t>
-            </a:r>
-          </a:p>
-          <a:p>
-            <a:r>
-              <a:rPr lang="ru-RU" smtClean="0"/>
+              <a:t>вам нужно объявить все вышеперечисленное.</a:t>
+            </a:r>
+          </a:p>
+          <a:p>
+            <a:r>
+              <a:rPr lang="ru-RU" dirty="0" smtClean="0"/>
               <a:t>Упрощенное объяснение</a:t>
             </a:r>
             <a:r>
@@ -10612,28 +10668,24 @@
           </a:p>
           <a:p>
             <a:r>
-              <a:rPr lang="ru-RU" smtClean="0"/>
+              <a:rPr lang="ru-RU" dirty="0" smtClean="0"/>
               <a:t>Если среди полей класса есть хотя бы один указатель, вам</a:t>
             </a:r>
             <a:r>
-              <a:rPr lang="en-US" smtClean="0"/>
+              <a:rPr lang="en-US" dirty="0" smtClean="0"/>
               <a:t> </a:t>
             </a:r>
             <a:r>
-              <a:rPr lang="ru-RU" smtClean="0"/>
+              <a:rPr lang="ru-RU" dirty="0" smtClean="0"/>
               <a:t>нужно писать свой конструктор копирования, оператор</a:t>
             </a:r>
             <a:r>
-              <a:rPr lang="en-US" smtClean="0"/>
+              <a:rPr lang="en-US" dirty="0" smtClean="0"/>
               <a:t> </a:t>
             </a:r>
             <a:r>
-              <a:rPr lang="ru-RU" smtClean="0"/>
-              <a:t>присваивания и деструктор класса</a:t>
-            </a:r>
-            <a:r>
               <a:rPr lang="ru-RU" dirty="0" smtClean="0"/>
-              <a:t>.</a:t>
+              <a:t>присваивания и деструктор класса.</a:t>
             </a:r>
             <a:endParaRPr lang="ru-RU" dirty="0"/>
           </a:p>
@@ -10689,6 +10741,13 @@
   <p:clrMapOvr>
     <a:masterClrMapping/>
   </p:clrMapOvr>
+  <p:timing>
+    <p:tnLst>
+      <p:par>
+        <p:cTn id="1" dur="indefinite" restart="never" nodeType="tmRoot"/>
+      </p:par>
+    </p:tnLst>
+  </p:timing>
 </p:sld>
 </file>
 
@@ -10731,20 +10790,16 @@
           <a:lstStyle/>
           <a:p>
             <a:r>
-              <a:rPr lang="ru-RU" smtClean="0"/>
+              <a:rPr lang="ru-RU" dirty="0" smtClean="0"/>
               <a:t>В каждом методе класса всегда существует указатель с названием </a:t>
             </a:r>
             <a:r>
-              <a:rPr lang="en-US" smtClean="0"/>
+              <a:rPr lang="en-US" dirty="0" smtClean="0"/>
               <a:t>this </a:t>
             </a:r>
             <a:r>
-              <a:rPr lang="ru-RU" smtClean="0"/>
-              <a:t>который всегда в обязательном порядке указывает на текущий объект класса у которого был вызван этот метод. Чаще всего этот указатель используется для того что бы обращаться к полям  в случае если их названия совпадают с названиями локальных переменных</a:t>
-            </a:r>
-            <a:r>
               <a:rPr lang="ru-RU" dirty="0" smtClean="0"/>
-              <a:t>.</a:t>
+              <a:t>который всегда в обязательном порядке указывает на текущий объект класса у которого был вызван этот метод. Чаще всего этот указатель используется для того что бы обращаться к полям  в случае если их названия совпадают с названиями локальных переменных.</a:t>
             </a:r>
             <a:endParaRPr lang="en-US" dirty="0" smtClean="0"/>
           </a:p>
@@ -10754,28 +10809,44 @@
               <a:buChar char="•"/>
             </a:pPr>
             <a:r>
-              <a:rPr lang="ru-RU" smtClean="0"/>
+              <a:rPr lang="ru-RU" dirty="0" smtClean="0"/>
               <a:t>При вызове </a:t>
             </a:r>
             <a:r>
-              <a:rPr lang="en-US" smtClean="0"/>
-              <a:t>obj.method(parm), </a:t>
-            </a:r>
-            <a:r>
-              <a:rPr lang="ru-RU" smtClean="0"/>
+              <a:rPr lang="en-US" dirty="0" err="1" smtClean="0"/>
+              <a:t>obj.method</a:t>
+            </a:r>
+            <a:r>
+              <a:rPr lang="en-US" dirty="0" smtClean="0"/>
+              <a:t>(</a:t>
+            </a:r>
+            <a:r>
+              <a:rPr lang="en-US" dirty="0" err="1" smtClean="0"/>
+              <a:t>parm</a:t>
+            </a:r>
+            <a:r>
+              <a:rPr lang="en-US" dirty="0" smtClean="0"/>
+              <a:t>), </a:t>
+            </a:r>
+            <a:r>
+              <a:rPr lang="ru-RU" dirty="0" smtClean="0"/>
               <a:t>компилятор фактически вызывает </a:t>
             </a:r>
             <a:r>
-              <a:rPr lang="en-US" smtClean="0"/>
+              <a:rPr lang="en-US" dirty="0" smtClean="0"/>
               <a:t>method (&amp;</a:t>
             </a:r>
             <a:r>
-              <a:rPr lang="en-US" err="1" smtClean="0"/>
+              <a:rPr lang="en-US" dirty="0" err="1" smtClean="0"/>
               <a:t>obj</a:t>
             </a:r>
             <a:r>
-              <a:rPr lang="en-US" smtClean="0"/>
-              <a:t>, parm</a:t>
+              <a:rPr lang="en-US" dirty="0" smtClean="0"/>
+              <a:t>, </a:t>
+            </a:r>
+            <a:r>
+              <a:rPr lang="en-US" dirty="0" err="1" smtClean="0"/>
+              <a:t>parm</a:t>
             </a:r>
             <a:r>
               <a:rPr lang="en-US" dirty="0" smtClean="0"/>
@@ -10789,27 +10860,27 @@
               <a:buChar char="•"/>
             </a:pPr>
             <a:r>
-              <a:rPr lang="ru-RU" smtClean="0"/>
+              <a:rPr lang="ru-RU" dirty="0" smtClean="0"/>
               <a:t>Внутри </a:t>
             </a:r>
             <a:r>
-              <a:rPr lang="en-US" smtClean="0"/>
+              <a:rPr lang="en-US" dirty="0" smtClean="0"/>
               <a:t>method(), </a:t>
             </a:r>
             <a:r>
-              <a:rPr lang="ru-RU" smtClean="0"/>
+              <a:rPr lang="ru-RU" dirty="0" smtClean="0"/>
               <a:t>указатель *</a:t>
             </a:r>
             <a:r>
-              <a:rPr lang="en-US" smtClean="0"/>
+              <a:rPr lang="en-US" dirty="0" smtClean="0"/>
               <a:t>this </a:t>
             </a:r>
             <a:r>
-              <a:rPr lang="ru-RU" smtClean="0"/>
+              <a:rPr lang="ru-RU" dirty="0" smtClean="0"/>
               <a:t>содержит адрес объекта </a:t>
             </a:r>
             <a:r>
-              <a:rPr lang="en-US" smtClean="0"/>
+              <a:rPr lang="en-US" dirty="0" smtClean="0"/>
               <a:t>obj</a:t>
             </a:r>
             <a:r>
@@ -10824,59 +10895,87 @@
               <a:buChar char="•"/>
             </a:pPr>
             <a:r>
-              <a:rPr lang="ru-RU" smtClean="0"/>
+              <a:rPr lang="ru-RU" dirty="0" smtClean="0"/>
               <a:t>К любым переменным-членам внутри </a:t>
             </a:r>
             <a:r>
-              <a:rPr lang="en-US" smtClean="0"/>
+              <a:rPr lang="en-US" dirty="0" smtClean="0"/>
               <a:t>method() </a:t>
             </a:r>
             <a:r>
-              <a:rPr lang="ru-RU" smtClean="0"/>
+              <a:rPr lang="ru-RU" dirty="0" smtClean="0"/>
               <a:t>добавляется префикс </a:t>
             </a:r>
             <a:r>
-              <a:rPr lang="en-US" smtClean="0"/>
+              <a:rPr lang="en-US" dirty="0" smtClean="0"/>
               <a:t>this-&gt;. </a:t>
             </a:r>
             <a:r>
-              <a:rPr lang="ru-RU" smtClean="0"/>
+              <a:rPr lang="ru-RU" dirty="0" smtClean="0"/>
               <a:t>Поэтому, когда мы говорим </a:t>
             </a:r>
             <a:r>
-              <a:rPr lang="en-US" smtClean="0"/>
-              <a:t>cls_field = parm, </a:t>
-            </a:r>
-            <a:r>
-              <a:rPr lang="ru-RU" smtClean="0"/>
+              <a:rPr lang="en-US" dirty="0" err="1" smtClean="0"/>
+              <a:t>cls_field</a:t>
+            </a:r>
+            <a:r>
+              <a:rPr lang="en-US" dirty="0" smtClean="0"/>
+              <a:t> = </a:t>
+            </a:r>
+            <a:r>
+              <a:rPr lang="en-US" dirty="0" err="1" smtClean="0"/>
+              <a:t>parm</a:t>
+            </a:r>
+            <a:r>
+              <a:rPr lang="en-US" dirty="0" smtClean="0"/>
+              <a:t>, </a:t>
+            </a:r>
+            <a:r>
+              <a:rPr lang="ru-RU" dirty="0" smtClean="0"/>
               <a:t>компилятор фактически выполняет </a:t>
             </a:r>
             <a:r>
-              <a:rPr lang="en-US" smtClean="0"/>
+              <a:rPr lang="en-US" dirty="0" smtClean="0"/>
               <a:t>this-</a:t>
             </a:r>
             <a:r>
-              <a:rPr lang="en-US" smtClean="0"/>
+              <a:rPr lang="en-US" dirty="0" smtClean="0"/>
               <a:t>&gt;</a:t>
             </a:r>
             <a:r>
-              <a:rPr lang="en-US" smtClean="0"/>
-              <a:t>cls_field = parm, </a:t>
-            </a:r>
-            <a:r>
-              <a:rPr lang="ru-RU" smtClean="0"/>
+              <a:rPr lang="en-US" dirty="0" err="1" smtClean="0"/>
+              <a:t>cls_field</a:t>
+            </a:r>
+            <a:r>
+              <a:rPr lang="en-US" dirty="0" smtClean="0"/>
+              <a:t> = </a:t>
+            </a:r>
+            <a:r>
+              <a:rPr lang="en-US" dirty="0" err="1" smtClean="0"/>
+              <a:t>parm</a:t>
+            </a:r>
+            <a:r>
+              <a:rPr lang="en-US" dirty="0" smtClean="0"/>
+              <a:t>, </a:t>
+            </a:r>
+            <a:r>
+              <a:rPr lang="ru-RU" dirty="0" smtClean="0"/>
               <a:t>который, в этом случае, обновляет </a:t>
             </a:r>
             <a:r>
-              <a:rPr lang="en-US" smtClean="0"/>
-              <a:t>obj.cls_field </a:t>
-            </a:r>
-            <a:r>
-              <a:rPr lang="ru-RU" smtClean="0"/>
+              <a:rPr lang="en-US" dirty="0" err="1" smtClean="0"/>
+              <a:t>obj.cls_field</a:t>
+            </a:r>
+            <a:r>
+              <a:rPr lang="en-US" dirty="0" smtClean="0"/>
+              <a:t> </a:t>
+            </a:r>
+            <a:r>
+              <a:rPr lang="ru-RU" dirty="0" smtClean="0"/>
               <a:t>на </a:t>
             </a:r>
             <a:r>
-              <a:rPr lang="en-US" smtClean="0"/>
+              <a:rPr lang="en-US" dirty="0" err="1" smtClean="0"/>
               <a:t>parm</a:t>
             </a:r>
             <a:r>
@@ -10916,15 +11015,15 @@
           </a:p>
           <a:p>
             <a:r>
-              <a:rPr lang="ru-RU" smtClean="0"/>
+              <a:rPr lang="ru-RU" dirty="0" smtClean="0"/>
               <a:t>Иногда бывает полезно, чтобы метод класса возвращал объект, с которым работает, в виде возвращаемого значения. Основной смысл здесь — это позволить нескольким методам объединиться в «</a:t>
             </a:r>
             <a:r>
-              <a:rPr lang="ru-RU"/>
+              <a:rPr lang="ru-RU" dirty="0"/>
               <a:t>цепочку</a:t>
             </a:r>
             <a:r>
-              <a:rPr lang="ru-RU" smtClean="0"/>
+              <a:rPr lang="ru-RU" dirty="0" smtClean="0"/>
               <a:t>», работая при этом с одним объектом</a:t>
             </a:r>
             <a:r>
@@ -10935,20 +11034,40 @@
           </a:p>
           <a:p>
             <a:r>
-              <a:rPr lang="ru-RU" smtClean="0"/>
-              <a:t>Указатель *this является скрытым параметром, который неявно добавляется к каждому методу класса. В большинстве случаев нам не нужно </a:t>
-            </a:r>
-            <a:r>
-              <a:rPr lang="ru-RU" u="sng" smtClean="0"/>
+              <a:rPr lang="ru-RU" dirty="0" smtClean="0"/>
+              <a:t>Указатель *</a:t>
+            </a:r>
+            <a:r>
+              <a:rPr lang="ru-RU" dirty="0" err="1" smtClean="0"/>
+              <a:t>this</a:t>
+            </a:r>
+            <a:r>
+              <a:rPr lang="ru-RU" dirty="0" smtClean="0"/>
+              <a:t> является скрытым параметром, который неявно добавляется к каждому методу класса. В большинстве случаев нам не нужно </a:t>
+            </a:r>
+            <a:r>
+              <a:rPr lang="ru-RU" u="sng" dirty="0" smtClean="0"/>
               <a:t>о</a:t>
             </a:r>
             <a:r>
-              <a:rPr lang="ru-RU" smtClean="0"/>
-              <a:t>бращаться к нему напрямую, но при необходимости это можно сделать. Стоит отметить, что указатель *this является константным указателем — вы можете изменить значение исходного объекта, но вы не можете заставить указатель *this указывать на что-то другое</a:t>
-            </a:r>
-            <a:r>
               <a:rPr lang="ru-RU" dirty="0" smtClean="0"/>
-              <a:t>.</a:t>
+              <a:t>бращаться к нему напрямую, но при необходимости это можно сделать. Стоит отметить, что указатель *</a:t>
+            </a:r>
+            <a:r>
+              <a:rPr lang="ru-RU" dirty="0" err="1" smtClean="0"/>
+              <a:t>this</a:t>
+            </a:r>
+            <a:r>
+              <a:rPr lang="ru-RU" dirty="0" smtClean="0"/>
+              <a:t> является константным указателем — вы можете изменить значение исходного объекта, но вы не можете заставить указатель *</a:t>
+            </a:r>
+            <a:r>
+              <a:rPr lang="ru-RU" dirty="0" err="1" smtClean="0"/>
+              <a:t>this</a:t>
+            </a:r>
+            <a:r>
+              <a:rPr lang="ru-RU" dirty="0" smtClean="0"/>
+              <a:t> указывать на что-то другое.</a:t>
             </a:r>
             <a:endParaRPr lang="ru-RU" dirty="0"/>
           </a:p>
@@ -11022,7 +11141,7 @@
           <a:lstStyle/>
           <a:p>
             <a:r>
-              <a:rPr lang="en-US" smtClean="0">
+              <a:rPr lang="en-US" dirty="0" smtClean="0">
                 <a:solidFill>
                   <a:srgbClr val="000000"/>
                 </a:solidFill>
@@ -11031,7 +11150,7 @@
               <a:t>        Point(</a:t>
             </a:r>
             <a:r>
-              <a:rPr lang="en-US" smtClean="0">
+              <a:rPr lang="en-US" dirty="0" err="1" smtClean="0">
                 <a:solidFill>
                   <a:srgbClr val="0000FF"/>
                 </a:solidFill>
@@ -11040,7 +11159,7 @@
               <a:t>int</a:t>
             </a:r>
             <a:r>
-              <a:rPr lang="en-US" smtClean="0">
+              <a:rPr lang="en-US" dirty="0" smtClean="0">
                 <a:solidFill>
                   <a:srgbClr val="000000"/>
                 </a:solidFill>
@@ -11049,7 +11168,7 @@
               <a:t> x, </a:t>
             </a:r>
             <a:r>
-              <a:rPr lang="en-US" smtClean="0">
+              <a:rPr lang="en-US" dirty="0" err="1" smtClean="0">
                 <a:solidFill>
                   <a:srgbClr val="0000FF"/>
                 </a:solidFill>
@@ -11058,7 +11177,7 @@
               <a:t>int</a:t>
             </a:r>
             <a:r>
-              <a:rPr lang="en-US" smtClean="0">
+              <a:rPr lang="en-US" dirty="0" smtClean="0">
                 <a:solidFill>
                   <a:srgbClr val="000000"/>
                 </a:solidFill>
@@ -11078,7 +11197,7 @@
           </a:p>
           <a:p>
             <a:r>
-              <a:rPr lang="en-US" smtClean="0">
+              <a:rPr lang="en-US" dirty="0" smtClean="0">
                 <a:solidFill>
                   <a:srgbClr val="000000"/>
                 </a:solidFill>
@@ -11087,7 +11206,7 @@
               <a:t>            </a:t>
             </a:r>
             <a:r>
-              <a:rPr lang="en-US" smtClean="0">
+              <a:rPr lang="en-US" dirty="0" smtClean="0">
                 <a:solidFill>
                   <a:srgbClr val="0000FF"/>
                 </a:solidFill>
@@ -11096,7 +11215,7 @@
               <a:t>this</a:t>
             </a:r>
             <a:r>
-              <a:rPr lang="en-US" smtClean="0">
+              <a:rPr lang="en-US" dirty="0" smtClean="0">
                 <a:solidFill>
                   <a:srgbClr val="000000"/>
                 </a:solidFill>
@@ -11105,7 +11224,7 @@
               <a:t>-</a:t>
             </a:r>
             <a:r>
-              <a:rPr lang="en-US">
+              <a:rPr lang="en-US" dirty="0">
                 <a:solidFill>
                   <a:srgbClr val="000000"/>
                 </a:solidFill>
@@ -11114,7 +11233,7 @@
               <a:t>&gt;</a:t>
             </a:r>
             <a:r>
-              <a:rPr lang="en-US" smtClean="0">
+              <a:rPr lang="en-US" dirty="0" smtClean="0">
                 <a:solidFill>
                   <a:srgbClr val="000000"/>
                 </a:solidFill>
@@ -11134,7 +11253,7 @@
           </a:p>
           <a:p>
             <a:r>
-              <a:rPr lang="en-US" smtClean="0">
+              <a:rPr lang="en-US" dirty="0" smtClean="0">
                 <a:solidFill>
                   <a:srgbClr val="000000"/>
                 </a:solidFill>
@@ -11143,7 +11262,7 @@
               <a:t>            </a:t>
             </a:r>
             <a:r>
-              <a:rPr lang="en-US" smtClean="0">
+              <a:rPr lang="en-US" dirty="0" smtClean="0">
                 <a:solidFill>
                   <a:srgbClr val="0000FF"/>
                 </a:solidFill>
@@ -11152,7 +11271,7 @@
               <a:t>this</a:t>
             </a:r>
             <a:r>
-              <a:rPr lang="en-US" smtClean="0">
+              <a:rPr lang="en-US" dirty="0" smtClean="0">
                 <a:solidFill>
                   <a:srgbClr val="000000"/>
                 </a:solidFill>
@@ -11161,7 +11280,7 @@
               <a:t>-</a:t>
             </a:r>
             <a:r>
-              <a:rPr lang="en-US">
+              <a:rPr lang="en-US" dirty="0">
                 <a:solidFill>
                   <a:srgbClr val="000000"/>
                 </a:solidFill>
@@ -11170,7 +11289,7 @@
               <a:t>&gt;</a:t>
             </a:r>
             <a:r>
-              <a:rPr lang="en-US" smtClean="0">
+              <a:rPr lang="en-US" dirty="0" smtClean="0">
                 <a:solidFill>
                   <a:srgbClr val="000000"/>
                 </a:solidFill>
@@ -11190,7 +11309,7 @@
           </a:p>
           <a:p>
             <a:r>
-              <a:rPr lang="en-US" smtClean="0">
+              <a:rPr lang="en-US" dirty="0" smtClean="0">
                 <a:solidFill>
                   <a:srgbClr val="000000"/>
                 </a:solidFill>
@@ -11199,7 +11318,7 @@
               <a:t>            </a:t>
             </a:r>
             <a:r>
-              <a:rPr lang="en-US" smtClean="0">
+              <a:rPr lang="en-US" dirty="0" smtClean="0">
                 <a:solidFill>
                   <a:srgbClr val="0000FF"/>
                 </a:solidFill>
@@ -11208,7 +11327,7 @@
               <a:t>this</a:t>
             </a:r>
             <a:r>
-              <a:rPr lang="en-US" smtClean="0">
+              <a:rPr lang="en-US" dirty="0" smtClean="0">
                 <a:solidFill>
                   <a:srgbClr val="000000"/>
                 </a:solidFill>
@@ -11217,7 +11336,7 @@
               <a:t>-</a:t>
             </a:r>
             <a:r>
-              <a:rPr lang="en-US">
+              <a:rPr lang="en-US" dirty="0">
                 <a:solidFill>
                   <a:srgbClr val="000000"/>
                 </a:solidFill>
@@ -11226,7 +11345,7 @@
               <a:t>&gt;</a:t>
             </a:r>
             <a:r>
-              <a:rPr lang="en-US" smtClean="0">
+              <a:rPr lang="en-US" dirty="0" smtClean="0">
                 <a:solidFill>
                   <a:srgbClr val="000000"/>
                 </a:solidFill>
@@ -11235,7 +11354,7 @@
               <a:t>error = </a:t>
             </a:r>
             <a:r>
-              <a:rPr lang="en-US" smtClean="0">
+              <a:rPr lang="en-US" dirty="0" smtClean="0">
                 <a:solidFill>
                   <a:srgbClr val="0000FF"/>
                 </a:solidFill>
@@ -11244,7 +11363,7 @@
               <a:t>new</a:t>
             </a:r>
             <a:r>
-              <a:rPr lang="en-US" smtClean="0">
+              <a:rPr lang="en-US" dirty="0" smtClean="0">
                 <a:solidFill>
                   <a:srgbClr val="000000"/>
                 </a:solidFill>
@@ -11253,7 +11372,7 @@
               <a:t> </a:t>
             </a:r>
             <a:r>
-              <a:rPr lang="en-US" smtClean="0">
+              <a:rPr lang="en-US" dirty="0" smtClean="0">
                 <a:solidFill>
                   <a:srgbClr val="0000FF"/>
                 </a:solidFill>
@@ -11262,7 +11381,7 @@
               <a:t>double</a:t>
             </a:r>
             <a:r>
-              <a:rPr lang="en-US" smtClean="0">
+              <a:rPr lang="en-US" dirty="0" smtClean="0">
                 <a:solidFill>
                   <a:srgbClr val="000000"/>
                 </a:solidFill>
@@ -11291,7 +11410,7 @@
           </a:p>
           <a:p>
             <a:r>
-              <a:rPr lang="en-US" smtClean="0">
+              <a:rPr lang="en-US" dirty="0" smtClean="0">
                 <a:solidFill>
                   <a:srgbClr val="000000"/>
                 </a:solidFill>
@@ -11318,6 +11437,13 @@
   <p:clrMapOvr>
     <a:masterClrMapping/>
   </p:clrMapOvr>
+  <p:timing>
+    <p:tnLst>
+      <p:par>
+        <p:cTn id="1" dur="indefinite" restart="never" nodeType="tmRoot"/>
+      </p:par>
+    </p:tnLst>
+  </p:timing>
 </p:sld>
 </file>
 
@@ -11389,6 +11515,13 @@
   <p:clrMapOvr>
     <a:masterClrMapping/>
   </p:clrMapOvr>
+  <p:timing>
+    <p:tnLst>
+      <p:par>
+        <p:cTn id="1" dur="indefinite" restart="never" nodeType="tmRoot"/>
+      </p:par>
+    </p:tnLst>
+  </p:timing>
 </p:sld>
 </file>
 
@@ -11500,6 +11633,13 @@
   <p:clrMapOvr>
     <a:masterClrMapping/>
   </p:clrMapOvr>
+  <p:timing>
+    <p:tnLst>
+      <p:par>
+        <p:cTn id="1" dur="indefinite" restart="never" nodeType="tmRoot"/>
+      </p:par>
+    </p:tnLst>
+  </p:timing>
 </p:sld>
 </file>
 
@@ -11885,6 +12025,13 @@
   <p:clrMapOvr>
     <a:masterClrMapping/>
   </p:clrMapOvr>
+  <p:timing>
+    <p:tnLst>
+      <p:par>
+        <p:cTn id="1" dur="indefinite" restart="never" nodeType="tmRoot"/>
+      </p:par>
+    </p:tnLst>
+  </p:timing>
 </p:sld>
 </file>
 
@@ -12267,6 +12414,13 @@
   <p:clrMapOvr>
     <a:masterClrMapping/>
   </p:clrMapOvr>
+  <p:timing>
+    <p:tnLst>
+      <p:par>
+        <p:cTn id="1" dur="indefinite" restart="never" nodeType="tmRoot"/>
+      </p:par>
+    </p:tnLst>
+  </p:timing>
 </p:sld>
 </file>
 
@@ -12447,6 +12601,13 @@
   <p:clrMapOvr>
     <a:masterClrMapping/>
   </p:clrMapOvr>
+  <p:timing>
+    <p:tnLst>
+      <p:par>
+        <p:cTn id="1" dur="indefinite" restart="never" nodeType="tmRoot"/>
+      </p:par>
+    </p:tnLst>
+  </p:timing>
 </p:sld>
 </file>
 
@@ -12541,6 +12702,13 @@
   <p:clrMapOvr>
     <a:masterClrMapping/>
   </p:clrMapOvr>
+  <p:timing>
+    <p:tnLst>
+      <p:par>
+        <p:cTn id="1" dur="indefinite" restart="never" nodeType="tmRoot"/>
+      </p:par>
+    </p:tnLst>
+  </p:timing>
 </p:sld>
 </file>
 
@@ -12710,6 +12878,13 @@
   <p:clrMapOvr>
     <a:masterClrMapping/>
   </p:clrMapOvr>
+  <p:timing>
+    <p:tnLst>
+      <p:par>
+        <p:cTn id="1" dur="indefinite" restart="never" nodeType="tmRoot"/>
+      </p:par>
+    </p:tnLst>
+  </p:timing>
 </p:sld>
 </file>
 
@@ -13325,6 +13500,13 @@
   <p:clrMapOvr>
     <a:masterClrMapping/>
   </p:clrMapOvr>
+  <p:timing>
+    <p:tnLst>
+      <p:par>
+        <p:cTn id="1" dur="indefinite" restart="never" nodeType="tmRoot"/>
+      </p:par>
+    </p:tnLst>
+  </p:timing>
 </p:sld>
 </file>
 
